--- a/디자인/마인드맵.pptx
+++ b/디자인/마인드맵.pptx
@@ -244,7 +244,7 @@
           <a:p>
             <a:fld id="{B3363F36-F2A5-4ED5-A719-AC1078CF5B08}" type="datetimeFigureOut">
               <a:rPr lang="ko-KR" altLang="en-US" smtClean="0"/>
-              <a:t>2023-10-10</a:t>
+              <a:t>2023-10-12</a:t>
             </a:fld>
             <a:endParaRPr lang="ko-KR" altLang="en-US"/>
           </a:p>
@@ -414,7 +414,7 @@
           <a:p>
             <a:fld id="{B3363F36-F2A5-4ED5-A719-AC1078CF5B08}" type="datetimeFigureOut">
               <a:rPr lang="ko-KR" altLang="en-US" smtClean="0"/>
-              <a:t>2023-10-10</a:t>
+              <a:t>2023-10-12</a:t>
             </a:fld>
             <a:endParaRPr lang="ko-KR" altLang="en-US"/>
           </a:p>
@@ -594,7 +594,7 @@
           <a:p>
             <a:fld id="{B3363F36-F2A5-4ED5-A719-AC1078CF5B08}" type="datetimeFigureOut">
               <a:rPr lang="ko-KR" altLang="en-US" smtClean="0"/>
-              <a:t>2023-10-10</a:t>
+              <a:t>2023-10-12</a:t>
             </a:fld>
             <a:endParaRPr lang="ko-KR" altLang="en-US"/>
           </a:p>
@@ -764,7 +764,7 @@
           <a:p>
             <a:fld id="{B3363F36-F2A5-4ED5-A719-AC1078CF5B08}" type="datetimeFigureOut">
               <a:rPr lang="ko-KR" altLang="en-US" smtClean="0"/>
-              <a:t>2023-10-10</a:t>
+              <a:t>2023-10-12</a:t>
             </a:fld>
             <a:endParaRPr lang="ko-KR" altLang="en-US"/>
           </a:p>
@@ -1010,7 +1010,7 @@
           <a:p>
             <a:fld id="{B3363F36-F2A5-4ED5-A719-AC1078CF5B08}" type="datetimeFigureOut">
               <a:rPr lang="ko-KR" altLang="en-US" smtClean="0"/>
-              <a:t>2023-10-10</a:t>
+              <a:t>2023-10-12</a:t>
             </a:fld>
             <a:endParaRPr lang="ko-KR" altLang="en-US"/>
           </a:p>
@@ -1242,7 +1242,7 @@
           <a:p>
             <a:fld id="{B3363F36-F2A5-4ED5-A719-AC1078CF5B08}" type="datetimeFigureOut">
               <a:rPr lang="ko-KR" altLang="en-US" smtClean="0"/>
-              <a:t>2023-10-10</a:t>
+              <a:t>2023-10-12</a:t>
             </a:fld>
             <a:endParaRPr lang="ko-KR" altLang="en-US"/>
           </a:p>
@@ -1609,7 +1609,7 @@
           <a:p>
             <a:fld id="{B3363F36-F2A5-4ED5-A719-AC1078CF5B08}" type="datetimeFigureOut">
               <a:rPr lang="ko-KR" altLang="en-US" smtClean="0"/>
-              <a:t>2023-10-10</a:t>
+              <a:t>2023-10-12</a:t>
             </a:fld>
             <a:endParaRPr lang="ko-KR" altLang="en-US"/>
           </a:p>
@@ -1727,7 +1727,7 @@
           <a:p>
             <a:fld id="{B3363F36-F2A5-4ED5-A719-AC1078CF5B08}" type="datetimeFigureOut">
               <a:rPr lang="ko-KR" altLang="en-US" smtClean="0"/>
-              <a:t>2023-10-10</a:t>
+              <a:t>2023-10-12</a:t>
             </a:fld>
             <a:endParaRPr lang="ko-KR" altLang="en-US"/>
           </a:p>
@@ -1822,7 +1822,7 @@
           <a:p>
             <a:fld id="{B3363F36-F2A5-4ED5-A719-AC1078CF5B08}" type="datetimeFigureOut">
               <a:rPr lang="ko-KR" altLang="en-US" smtClean="0"/>
-              <a:t>2023-10-10</a:t>
+              <a:t>2023-10-12</a:t>
             </a:fld>
             <a:endParaRPr lang="ko-KR" altLang="en-US"/>
           </a:p>
@@ -2099,7 +2099,7 @@
           <a:p>
             <a:fld id="{B3363F36-F2A5-4ED5-A719-AC1078CF5B08}" type="datetimeFigureOut">
               <a:rPr lang="ko-KR" altLang="en-US" smtClean="0"/>
-              <a:t>2023-10-10</a:t>
+              <a:t>2023-10-12</a:t>
             </a:fld>
             <a:endParaRPr lang="ko-KR" altLang="en-US"/>
           </a:p>
@@ -2352,7 +2352,7 @@
           <a:p>
             <a:fld id="{B3363F36-F2A5-4ED5-A719-AC1078CF5B08}" type="datetimeFigureOut">
               <a:rPr lang="ko-KR" altLang="en-US" smtClean="0"/>
-              <a:t>2023-10-10</a:t>
+              <a:t>2023-10-12</a:t>
             </a:fld>
             <a:endParaRPr lang="ko-KR" altLang="en-US"/>
           </a:p>
@@ -2565,7 +2565,7 @@
           <a:p>
             <a:fld id="{B3363F36-F2A5-4ED5-A719-AC1078CF5B08}" type="datetimeFigureOut">
               <a:rPr lang="ko-KR" altLang="en-US" smtClean="0"/>
-              <a:t>2023-10-10</a:t>
+              <a:t>2023-10-12</a:t>
             </a:fld>
             <a:endParaRPr lang="ko-KR" altLang="en-US"/>
           </a:p>
@@ -12041,7 +12041,7 @@
           </a:prstGeom>
           <a:ln w="28575" cap="flat" cmpd="sng" algn="ctr">
             <a:solidFill>
-              <a:schemeClr val="accent1"/>
+              <a:srgbClr val="CBF494"/>
             </a:solidFill>
             <a:prstDash val="solid"/>
             <a:round/>
@@ -12083,7 +12083,7 @@
           </a:prstGeom>
           <a:ln w="28575" cap="flat" cmpd="sng" algn="ctr">
             <a:solidFill>
-              <a:schemeClr val="accent1"/>
+              <a:srgbClr val="CBF494"/>
             </a:solidFill>
             <a:prstDash val="solid"/>
             <a:round/>
@@ -12125,7 +12125,7 @@
           </a:prstGeom>
           <a:ln w="28575" cap="flat" cmpd="sng" algn="ctr">
             <a:solidFill>
-              <a:schemeClr val="accent1"/>
+              <a:srgbClr val="CBF494"/>
             </a:solidFill>
             <a:prstDash val="solid"/>
             <a:round/>
@@ -12167,7 +12167,7 @@
           </a:prstGeom>
           <a:ln w="28575" cap="flat" cmpd="sng" algn="ctr">
             <a:solidFill>
-              <a:schemeClr val="accent1"/>
+              <a:srgbClr val="CBF494"/>
             </a:solidFill>
             <a:prstDash val="solid"/>
             <a:round/>
@@ -12208,7 +12208,7 @@
           </a:prstGeom>
           <a:ln w="28575" cap="flat" cmpd="sng" algn="ctr">
             <a:solidFill>
-              <a:schemeClr val="accent1"/>
+              <a:srgbClr val="CBF494"/>
             </a:solidFill>
             <a:prstDash val="solid"/>
             <a:round/>
@@ -12249,7 +12249,7 @@
           </a:prstGeom>
           <a:ln w="28575" cap="flat" cmpd="sng" algn="ctr">
             <a:solidFill>
-              <a:schemeClr val="accent1"/>
+              <a:srgbClr val="CBF494"/>
             </a:solidFill>
             <a:prstDash val="solid"/>
             <a:round/>
@@ -12291,7 +12291,7 @@
           </a:prstGeom>
           <a:ln w="28575" cap="flat" cmpd="sng" algn="ctr">
             <a:solidFill>
-              <a:schemeClr val="accent1"/>
+              <a:srgbClr val="CBF494"/>
             </a:solidFill>
             <a:prstDash val="solid"/>
             <a:round/>
@@ -12333,7 +12333,7 @@
           </a:prstGeom>
           <a:ln w="28575" cap="flat" cmpd="sng" algn="ctr">
             <a:solidFill>
-              <a:schemeClr val="accent1"/>
+              <a:srgbClr val="CBF494"/>
             </a:solidFill>
             <a:prstDash val="solid"/>
             <a:round/>
@@ -12375,7 +12375,7 @@
           </a:prstGeom>
           <a:ln w="28575" cap="flat" cmpd="sng" algn="ctr">
             <a:solidFill>
-              <a:schemeClr val="accent1"/>
+              <a:srgbClr val="F7F17D"/>
             </a:solidFill>
             <a:prstDash val="solid"/>
             <a:round/>
@@ -12417,7 +12417,7 @@
           </a:prstGeom>
           <a:ln w="28575" cap="flat" cmpd="sng" algn="ctr">
             <a:solidFill>
-              <a:schemeClr val="accent1"/>
+              <a:srgbClr val="F7F17D"/>
             </a:solidFill>
             <a:prstDash val="solid"/>
             <a:round/>
@@ -12459,7 +12459,7 @@
           </a:prstGeom>
           <a:ln w="28575" cap="flat" cmpd="sng" algn="ctr">
             <a:solidFill>
-              <a:schemeClr val="accent1"/>
+              <a:srgbClr val="F7F17D"/>
             </a:solidFill>
             <a:prstDash val="solid"/>
             <a:round/>
@@ -12616,7 +12616,7 @@
           </a:solidFill>
           <a:ln w="57150">
             <a:solidFill>
-              <a:srgbClr val="9AF177"/>
+              <a:srgbClr val="CBF494"/>
             </a:solidFill>
           </a:ln>
         </p:spPr>
@@ -12767,6 +12767,9 @@
           <a:prstGeom prst="ellipse">
             <a:avLst/>
           </a:prstGeom>
+          <a:solidFill>
+            <a:srgbClr val="F7F17D"/>
+          </a:solidFill>
           <a:ln>
             <a:noFill/>
           </a:ln>
@@ -12793,10 +12796,18 @@
           <a:p>
             <a:pPr algn="ctr"/>
             <a:r>
-              <a:rPr lang="ko-KR" altLang="en-US" sz="1100" spc="-150" dirty="0" smtClean="0"/>
+              <a:rPr lang="ko-KR" altLang="en-US" sz="1100" spc="-150" dirty="0" smtClean="0">
+                <a:solidFill>
+                  <a:srgbClr val="8A6900"/>
+                </a:solidFill>
+              </a:rPr>
               <a:t>극</a:t>
             </a:r>
-            <a:endParaRPr lang="ko-KR" altLang="en-US" sz="1100" spc="-150" dirty="0"/>
+            <a:endParaRPr lang="ko-KR" altLang="en-US" sz="1100" spc="-150" dirty="0">
+              <a:solidFill>
+                <a:srgbClr val="8A6900"/>
+              </a:solidFill>
+            </a:endParaRPr>
           </a:p>
         </p:txBody>
       </p:sp>
@@ -12814,6 +12825,9 @@
           <a:prstGeom prst="ellipse">
             <a:avLst/>
           </a:prstGeom>
+          <a:solidFill>
+            <a:srgbClr val="F7F17D"/>
+          </a:solidFill>
           <a:ln>
             <a:noFill/>
           </a:ln>
@@ -12840,10 +12854,18 @@
           <a:p>
             <a:pPr algn="ctr"/>
             <a:r>
-              <a:rPr lang="ko-KR" altLang="en-US" sz="1100" spc="-150" dirty="0" smtClean="0"/>
+              <a:rPr lang="ko-KR" altLang="en-US" sz="1100" spc="-150" dirty="0" smtClean="0">
+                <a:solidFill>
+                  <a:srgbClr val="8A6900"/>
+                </a:solidFill>
+              </a:rPr>
               <a:t>기록</a:t>
             </a:r>
-            <a:endParaRPr lang="ko-KR" altLang="en-US" sz="1100" spc="-150" dirty="0"/>
+            <a:endParaRPr lang="ko-KR" altLang="en-US" sz="1100" spc="-150" dirty="0">
+              <a:solidFill>
+                <a:srgbClr val="8A6900"/>
+              </a:solidFill>
+            </a:endParaRPr>
           </a:p>
         </p:txBody>
       </p:sp>
@@ -12861,6 +12883,9 @@
           <a:prstGeom prst="ellipse">
             <a:avLst/>
           </a:prstGeom>
+          <a:solidFill>
+            <a:srgbClr val="F7F17D"/>
+          </a:solidFill>
           <a:ln>
             <a:noFill/>
           </a:ln>
@@ -12887,10 +12912,18 @@
           <a:p>
             <a:pPr algn="ctr"/>
             <a:r>
-              <a:rPr lang="ko-KR" altLang="en-US" sz="1100" spc="-150" dirty="0" smtClean="0"/>
+              <a:rPr lang="ko-KR" altLang="en-US" sz="1100" spc="-150" dirty="0" smtClean="0">
+                <a:solidFill>
+                  <a:srgbClr val="8A6900"/>
+                </a:solidFill>
+              </a:rPr>
               <a:t>다큐</a:t>
             </a:r>
-            <a:endParaRPr lang="ko-KR" altLang="en-US" sz="1100" spc="-150" dirty="0"/>
+            <a:endParaRPr lang="ko-KR" altLang="en-US" sz="1100" spc="-150" dirty="0">
+              <a:solidFill>
+                <a:srgbClr val="8A6900"/>
+              </a:solidFill>
+            </a:endParaRPr>
           </a:p>
         </p:txBody>
       </p:sp>
@@ -13454,6 +13487,9 @@
           <a:prstGeom prst="ellipse">
             <a:avLst/>
           </a:prstGeom>
+          <a:solidFill>
+            <a:srgbClr val="CBF494"/>
+          </a:solidFill>
           <a:ln>
             <a:noFill/>
           </a:ln>
@@ -13480,10 +13516,22 @@
           <a:p>
             <a:pPr algn="ctr"/>
             <a:r>
-              <a:rPr lang="ko-KR" altLang="en-US" sz="1100" spc="-150" dirty="0" smtClean="0"/>
+              <a:rPr lang="ko-KR" altLang="en-US" sz="1100" spc="-150" dirty="0" smtClean="0">
+                <a:solidFill>
+                  <a:schemeClr val="accent6">
+                    <a:lumMod val="75000"/>
+                  </a:schemeClr>
+                </a:solidFill>
+              </a:rPr>
               <a:t>코미디</a:t>
             </a:r>
-            <a:endParaRPr lang="ko-KR" altLang="en-US" sz="1100" spc="-150" dirty="0"/>
+            <a:endParaRPr lang="ko-KR" altLang="en-US" sz="1100" spc="-150" dirty="0">
+              <a:solidFill>
+                <a:schemeClr val="accent6">
+                  <a:lumMod val="75000"/>
+                </a:schemeClr>
+              </a:solidFill>
+            </a:endParaRPr>
           </a:p>
         </p:txBody>
       </p:sp>
@@ -13501,6 +13549,9 @@
           <a:prstGeom prst="ellipse">
             <a:avLst/>
           </a:prstGeom>
+          <a:solidFill>
+            <a:srgbClr val="CBF494"/>
+          </a:solidFill>
           <a:ln>
             <a:noFill/>
           </a:ln>
@@ -13527,18 +13578,42 @@
           <a:p>
             <a:pPr algn="ctr"/>
             <a:r>
-              <a:rPr lang="ko-KR" altLang="en-US" sz="1100" spc="-150" dirty="0" smtClean="0"/>
+              <a:rPr lang="ko-KR" altLang="en-US" sz="1100" spc="-150" dirty="0" smtClean="0">
+                <a:solidFill>
+                  <a:schemeClr val="accent6">
+                    <a:lumMod val="75000"/>
+                  </a:schemeClr>
+                </a:solidFill>
+              </a:rPr>
               <a:t>공상</a:t>
             </a:r>
-            <a:endParaRPr lang="en-US" altLang="ko-KR" sz="1100" spc="-150" dirty="0" smtClean="0"/>
-          </a:p>
-          <a:p>
-            <a:pPr algn="ctr"/>
-            <a:r>
-              <a:rPr lang="ko-KR" altLang="en-US" sz="1100" spc="-150" dirty="0" smtClean="0"/>
+            <a:endParaRPr lang="en-US" altLang="ko-KR" sz="1100" spc="-150" dirty="0" smtClean="0">
+              <a:solidFill>
+                <a:schemeClr val="accent6">
+                  <a:lumMod val="75000"/>
+                </a:schemeClr>
+              </a:solidFill>
+            </a:endParaRPr>
+          </a:p>
+          <a:p>
+            <a:pPr algn="ctr"/>
+            <a:r>
+              <a:rPr lang="ko-KR" altLang="en-US" sz="1100" spc="-150" dirty="0" smtClean="0">
+                <a:solidFill>
+                  <a:schemeClr val="accent6">
+                    <a:lumMod val="75000"/>
+                  </a:schemeClr>
+                </a:solidFill>
+              </a:rPr>
               <a:t>과학</a:t>
             </a:r>
-            <a:endParaRPr lang="ko-KR" altLang="en-US" sz="1100" spc="-150" dirty="0"/>
+            <a:endParaRPr lang="ko-KR" altLang="en-US" sz="1100" spc="-150" dirty="0">
+              <a:solidFill>
+                <a:schemeClr val="accent6">
+                  <a:lumMod val="75000"/>
+                </a:schemeClr>
+              </a:solidFill>
+            </a:endParaRPr>
           </a:p>
         </p:txBody>
       </p:sp>
@@ -13556,6 +13631,9 @@
           <a:prstGeom prst="ellipse">
             <a:avLst/>
           </a:prstGeom>
+          <a:solidFill>
+            <a:srgbClr val="CBF494"/>
+          </a:solidFill>
           <a:ln>
             <a:noFill/>
           </a:ln>
@@ -13582,10 +13660,22 @@
           <a:p>
             <a:pPr algn="ctr"/>
             <a:r>
-              <a:rPr lang="ko-KR" altLang="en-US" sz="1100" spc="-150" dirty="0" err="1" smtClean="0"/>
+              <a:rPr lang="ko-KR" altLang="en-US" sz="1100" spc="-150" dirty="0" err="1" smtClean="0">
+                <a:solidFill>
+                  <a:schemeClr val="accent6">
+                    <a:lumMod val="75000"/>
+                  </a:schemeClr>
+                </a:solidFill>
+              </a:rPr>
               <a:t>호러</a:t>
             </a:r>
-            <a:endParaRPr lang="ko-KR" altLang="en-US" sz="1100" spc="-150" dirty="0"/>
+            <a:endParaRPr lang="ko-KR" altLang="en-US" sz="1100" spc="-150" dirty="0">
+              <a:solidFill>
+                <a:schemeClr val="accent6">
+                  <a:lumMod val="75000"/>
+                </a:schemeClr>
+              </a:solidFill>
+            </a:endParaRPr>
           </a:p>
         </p:txBody>
       </p:sp>
@@ -13603,6 +13693,9 @@
           <a:prstGeom prst="ellipse">
             <a:avLst/>
           </a:prstGeom>
+          <a:solidFill>
+            <a:srgbClr val="CBF494"/>
+          </a:solidFill>
           <a:ln>
             <a:noFill/>
           </a:ln>
@@ -13629,10 +13722,22 @@
           <a:p>
             <a:pPr algn="ctr"/>
             <a:r>
-              <a:rPr lang="ko-KR" altLang="en-US" sz="1100" spc="-150" dirty="0" smtClean="0"/>
+              <a:rPr lang="ko-KR" altLang="en-US" sz="1100" spc="-150" dirty="0" smtClean="0">
+                <a:solidFill>
+                  <a:schemeClr val="accent6">
+                    <a:lumMod val="75000"/>
+                  </a:schemeClr>
+                </a:solidFill>
+              </a:rPr>
               <a:t>판타지</a:t>
             </a:r>
-            <a:endParaRPr lang="ko-KR" altLang="en-US" sz="1100" spc="-150" dirty="0"/>
+            <a:endParaRPr lang="ko-KR" altLang="en-US" sz="1100" spc="-150" dirty="0">
+              <a:solidFill>
+                <a:schemeClr val="accent6">
+                  <a:lumMod val="75000"/>
+                </a:schemeClr>
+              </a:solidFill>
+            </a:endParaRPr>
           </a:p>
         </p:txBody>
       </p:sp>
@@ -13650,6 +13755,9 @@
           <a:prstGeom prst="ellipse">
             <a:avLst/>
           </a:prstGeom>
+          <a:solidFill>
+            <a:srgbClr val="CBF494"/>
+          </a:solidFill>
           <a:ln>
             <a:noFill/>
           </a:ln>
@@ -13676,10 +13784,22 @@
           <a:p>
             <a:pPr algn="ctr"/>
             <a:r>
-              <a:rPr lang="ko-KR" altLang="en-US" sz="1100" spc="-150" dirty="0" smtClean="0"/>
+              <a:rPr lang="ko-KR" altLang="en-US" sz="1100" spc="-150" dirty="0" smtClean="0">
+                <a:solidFill>
+                  <a:schemeClr val="accent6">
+                    <a:lumMod val="75000"/>
+                  </a:schemeClr>
+                </a:solidFill>
+              </a:rPr>
               <a:t>범죄</a:t>
             </a:r>
-            <a:endParaRPr lang="ko-KR" altLang="en-US" sz="1100" spc="-150" dirty="0"/>
+            <a:endParaRPr lang="ko-KR" altLang="en-US" sz="1100" spc="-150" dirty="0">
+              <a:solidFill>
+                <a:schemeClr val="accent6">
+                  <a:lumMod val="75000"/>
+                </a:schemeClr>
+              </a:solidFill>
+            </a:endParaRPr>
           </a:p>
         </p:txBody>
       </p:sp>
@@ -13697,6 +13817,9 @@
           <a:prstGeom prst="ellipse">
             <a:avLst/>
           </a:prstGeom>
+          <a:solidFill>
+            <a:srgbClr val="CBF494"/>
+          </a:solidFill>
           <a:ln>
             <a:noFill/>
           </a:ln>
@@ -13723,14 +13846,22 @@
           <a:p>
             <a:pPr algn="ctr"/>
             <a:r>
-              <a:rPr lang="ko-KR" altLang="en-US" sz="1100" spc="-150" dirty="0" smtClean="0"/>
-              <a:t>역</a:t>
-            </a:r>
-            <a:r>
-              <a:rPr lang="ko-KR" altLang="en-US" sz="1100" spc="-150" dirty="0" smtClean="0"/>
-              <a:t>사</a:t>
-            </a:r>
-            <a:endParaRPr lang="ko-KR" altLang="en-US" sz="1100" spc="-150" dirty="0"/>
+              <a:rPr lang="ko-KR" altLang="en-US" sz="1100" spc="-150" dirty="0" smtClean="0">
+                <a:solidFill>
+                  <a:schemeClr val="accent6">
+                    <a:lumMod val="75000"/>
+                  </a:schemeClr>
+                </a:solidFill>
+              </a:rPr>
+              <a:t>역사</a:t>
+            </a:r>
+            <a:endParaRPr lang="ko-KR" altLang="en-US" sz="1100" spc="-150" dirty="0">
+              <a:solidFill>
+                <a:schemeClr val="accent6">
+                  <a:lumMod val="75000"/>
+                </a:schemeClr>
+              </a:solidFill>
+            </a:endParaRPr>
           </a:p>
         </p:txBody>
       </p:sp>
@@ -13748,6 +13879,9 @@
           <a:prstGeom prst="ellipse">
             <a:avLst/>
           </a:prstGeom>
+          <a:solidFill>
+            <a:srgbClr val="CBF494"/>
+          </a:solidFill>
           <a:ln>
             <a:noFill/>
           </a:ln>
@@ -13774,10 +13908,22 @@
           <a:p>
             <a:pPr algn="ctr"/>
             <a:r>
-              <a:rPr lang="ko-KR" altLang="en-US" sz="1100" spc="-150" smtClean="0"/>
+              <a:rPr lang="ko-KR" altLang="en-US" sz="1100" spc="-150" smtClean="0">
+                <a:solidFill>
+                  <a:schemeClr val="accent6">
+                    <a:lumMod val="75000"/>
+                  </a:schemeClr>
+                </a:solidFill>
+              </a:rPr>
               <a:t>로맨스</a:t>
             </a:r>
-            <a:endParaRPr lang="ko-KR" altLang="en-US" sz="1100" spc="-150" dirty="0"/>
+            <a:endParaRPr lang="ko-KR" altLang="en-US" sz="1100" spc="-150" dirty="0">
+              <a:solidFill>
+                <a:schemeClr val="accent6">
+                  <a:lumMod val="75000"/>
+                </a:schemeClr>
+              </a:solidFill>
+            </a:endParaRPr>
           </a:p>
         </p:txBody>
       </p:sp>
@@ -13795,6 +13941,9 @@
           <a:prstGeom prst="ellipse">
             <a:avLst/>
           </a:prstGeom>
+          <a:solidFill>
+            <a:srgbClr val="CBF494"/>
+          </a:solidFill>
           <a:ln>
             <a:noFill/>
           </a:ln>
@@ -13821,10 +13970,22 @@
           <a:p>
             <a:pPr algn="ctr"/>
             <a:r>
-              <a:rPr lang="ko-KR" altLang="en-US" sz="1100" spc="-150" dirty="0" smtClean="0"/>
+              <a:rPr lang="ko-KR" altLang="en-US" sz="1100" spc="-150" dirty="0" smtClean="0">
+                <a:solidFill>
+                  <a:schemeClr val="accent6">
+                    <a:lumMod val="75000"/>
+                  </a:schemeClr>
+                </a:solidFill>
+              </a:rPr>
               <a:t>뮤지컬</a:t>
             </a:r>
-            <a:endParaRPr lang="ko-KR" altLang="en-US" sz="1100" spc="-150" dirty="0"/>
+            <a:endParaRPr lang="ko-KR" altLang="en-US" sz="1100" spc="-150" dirty="0">
+              <a:solidFill>
+                <a:schemeClr val="accent6">
+                  <a:lumMod val="75000"/>
+                </a:schemeClr>
+              </a:solidFill>
+            </a:endParaRPr>
           </a:p>
         </p:txBody>
       </p:sp>
